--- a/Requirement/Stock coutning flow.pptx
+++ b/Requirement/Stock coutning flow.pptx
@@ -5,7 +5,8 @@
     <p:sldMasterId id="2147483648" r:id="rId1"/>
   </p:sldMasterIdLst>
   <p:sldIdLst>
-    <p:sldId id="256" r:id="rId2"/>
+    <p:sldId id="257" r:id="rId2"/>
+    <p:sldId id="256" r:id="rId3"/>
   </p:sldIdLst>
   <p:sldSz cx="12192000" cy="6858000"/>
   <p:notesSz cx="6858000" cy="9144000"/>
@@ -104,6 +105,11 @@
       </a:defRPr>
     </a:lvl9pPr>
   </p:defaultTextStyle>
+  <p:extLst>
+    <p:ext uri="{EFAFB233-063F-42B5-8137-9DF3F51BA10A}">
+      <p15:sldGuideLst xmlns:p15="http://schemas.microsoft.com/office/powerpoint/2012/main"/>
+    </p:ext>
+  </p:extLst>
 </p:presentation>
 </file>
 
@@ -238,7 +244,7 @@
           <a:p>
             <a:fld id="{253ADD1D-0771-46D3-974C-552188F73794}" type="datetimeFigureOut">
               <a:rPr lang="en-IN" smtClean="0"/>
-              <a:t>08-04-2022</a:t>
+              <a:t>09-04-2022</a:t>
             </a:fld>
             <a:endParaRPr lang="en-IN"/>
           </a:p>
@@ -408,7 +414,7 @@
           <a:p>
             <a:fld id="{253ADD1D-0771-46D3-974C-552188F73794}" type="datetimeFigureOut">
               <a:rPr lang="en-IN" smtClean="0"/>
-              <a:t>08-04-2022</a:t>
+              <a:t>09-04-2022</a:t>
             </a:fld>
             <a:endParaRPr lang="en-IN"/>
           </a:p>
@@ -588,7 +594,7 @@
           <a:p>
             <a:fld id="{253ADD1D-0771-46D3-974C-552188F73794}" type="datetimeFigureOut">
               <a:rPr lang="en-IN" smtClean="0"/>
-              <a:t>08-04-2022</a:t>
+              <a:t>09-04-2022</a:t>
             </a:fld>
             <a:endParaRPr lang="en-IN"/>
           </a:p>
@@ -758,7 +764,7 @@
           <a:p>
             <a:fld id="{253ADD1D-0771-46D3-974C-552188F73794}" type="datetimeFigureOut">
               <a:rPr lang="en-IN" smtClean="0"/>
-              <a:t>08-04-2022</a:t>
+              <a:t>09-04-2022</a:t>
             </a:fld>
             <a:endParaRPr lang="en-IN"/>
           </a:p>
@@ -1004,7 +1010,7 @@
           <a:p>
             <a:fld id="{253ADD1D-0771-46D3-974C-552188F73794}" type="datetimeFigureOut">
               <a:rPr lang="en-IN" smtClean="0"/>
-              <a:t>08-04-2022</a:t>
+              <a:t>09-04-2022</a:t>
             </a:fld>
             <a:endParaRPr lang="en-IN"/>
           </a:p>
@@ -1236,7 +1242,7 @@
           <a:p>
             <a:fld id="{253ADD1D-0771-46D3-974C-552188F73794}" type="datetimeFigureOut">
               <a:rPr lang="en-IN" smtClean="0"/>
-              <a:t>08-04-2022</a:t>
+              <a:t>09-04-2022</a:t>
             </a:fld>
             <a:endParaRPr lang="en-IN"/>
           </a:p>
@@ -1603,7 +1609,7 @@
           <a:p>
             <a:fld id="{253ADD1D-0771-46D3-974C-552188F73794}" type="datetimeFigureOut">
               <a:rPr lang="en-IN" smtClean="0"/>
-              <a:t>08-04-2022</a:t>
+              <a:t>09-04-2022</a:t>
             </a:fld>
             <a:endParaRPr lang="en-IN"/>
           </a:p>
@@ -1721,7 +1727,7 @@
           <a:p>
             <a:fld id="{253ADD1D-0771-46D3-974C-552188F73794}" type="datetimeFigureOut">
               <a:rPr lang="en-IN" smtClean="0"/>
-              <a:t>08-04-2022</a:t>
+              <a:t>09-04-2022</a:t>
             </a:fld>
             <a:endParaRPr lang="en-IN"/>
           </a:p>
@@ -1816,7 +1822,7 @@
           <a:p>
             <a:fld id="{253ADD1D-0771-46D3-974C-552188F73794}" type="datetimeFigureOut">
               <a:rPr lang="en-IN" smtClean="0"/>
-              <a:t>08-04-2022</a:t>
+              <a:t>09-04-2022</a:t>
             </a:fld>
             <a:endParaRPr lang="en-IN"/>
           </a:p>
@@ -2093,7 +2099,7 @@
           <a:p>
             <a:fld id="{253ADD1D-0771-46D3-974C-552188F73794}" type="datetimeFigureOut">
               <a:rPr lang="en-IN" smtClean="0"/>
-              <a:t>08-04-2022</a:t>
+              <a:t>09-04-2022</a:t>
             </a:fld>
             <a:endParaRPr lang="en-IN"/>
           </a:p>
@@ -2346,7 +2352,7 @@
           <a:p>
             <a:fld id="{253ADD1D-0771-46D3-974C-552188F73794}" type="datetimeFigureOut">
               <a:rPr lang="en-IN" smtClean="0"/>
-              <a:t>08-04-2022</a:t>
+              <a:t>09-04-2022</a:t>
             </a:fld>
             <a:endParaRPr lang="en-IN"/>
           </a:p>
@@ -2559,7 +2565,7 @@
           <a:p>
             <a:fld id="{253ADD1D-0771-46D3-974C-552188F73794}" type="datetimeFigureOut">
               <a:rPr lang="en-IN" smtClean="0"/>
-              <a:t>08-04-2022</a:t>
+              <a:t>09-04-2022</a:t>
             </a:fld>
             <a:endParaRPr lang="en-IN"/>
           </a:p>
@@ -2972,8 +2978,8 @@
         </p:nvSpPr>
         <p:spPr>
           <a:xfrm>
-            <a:off x="1186936" y="605890"/>
-            <a:ext cx="1853738" cy="540327"/>
+            <a:off x="4488873" y="241069"/>
+            <a:ext cx="2776451" cy="606829"/>
           </a:xfrm>
           <a:prstGeom prst="rect">
             <a:avLst/>
@@ -3002,6 +3008,771 @@
             <a:pPr algn="ctr"/>
             <a:r>
               <a:rPr lang="en-IN" dirty="0" smtClean="0"/>
+              <a:t>Item Structure</a:t>
+            </a:r>
+            <a:endParaRPr lang="en-IN" dirty="0"/>
+          </a:p>
+        </p:txBody>
+      </p:sp>
+      <p:sp>
+        <p:nvSpPr>
+          <p:cNvPr id="5" name="Rectangle 4"/>
+          <p:cNvSpPr/>
+          <p:nvPr/>
+        </p:nvSpPr>
+        <p:spPr>
+          <a:xfrm>
+            <a:off x="739833" y="1413164"/>
+            <a:ext cx="1936865" cy="515389"/>
+          </a:xfrm>
+          <a:prstGeom prst="rect">
+            <a:avLst/>
+          </a:prstGeom>
+        </p:spPr>
+        <p:style>
+          <a:lnRef idx="2">
+            <a:schemeClr val="accent1">
+              <a:shade val="50000"/>
+            </a:schemeClr>
+          </a:lnRef>
+          <a:fillRef idx="1">
+            <a:schemeClr val="accent1"/>
+          </a:fillRef>
+          <a:effectRef idx="0">
+            <a:schemeClr val="accent1"/>
+          </a:effectRef>
+          <a:fontRef idx="minor">
+            <a:schemeClr val="lt1"/>
+          </a:fontRef>
+        </p:style>
+        <p:txBody>
+          <a:bodyPr rtlCol="0" anchor="ctr"/>
+          <a:lstStyle/>
+          <a:p>
+            <a:pPr algn="ctr"/>
+            <a:r>
+              <a:rPr lang="en-IN" dirty="0" smtClean="0"/>
+              <a:t>Item</a:t>
+            </a:r>
+            <a:endParaRPr lang="en-IN" dirty="0"/>
+          </a:p>
+        </p:txBody>
+      </p:sp>
+      <p:sp>
+        <p:nvSpPr>
+          <p:cNvPr id="6" name="Rectangle 5"/>
+          <p:cNvSpPr/>
+          <p:nvPr/>
+        </p:nvSpPr>
+        <p:spPr>
+          <a:xfrm>
+            <a:off x="3507971" y="1413164"/>
+            <a:ext cx="1795549" cy="515389"/>
+          </a:xfrm>
+          <a:prstGeom prst="rect">
+            <a:avLst/>
+          </a:prstGeom>
+        </p:spPr>
+        <p:style>
+          <a:lnRef idx="2">
+            <a:schemeClr val="accent1">
+              <a:shade val="50000"/>
+            </a:schemeClr>
+          </a:lnRef>
+          <a:fillRef idx="1">
+            <a:schemeClr val="accent1"/>
+          </a:fillRef>
+          <a:effectRef idx="0">
+            <a:schemeClr val="accent1"/>
+          </a:effectRef>
+          <a:fontRef idx="minor">
+            <a:schemeClr val="lt1"/>
+          </a:fontRef>
+        </p:style>
+        <p:txBody>
+          <a:bodyPr rtlCol="0" anchor="ctr"/>
+          <a:lstStyle/>
+          <a:p>
+            <a:pPr algn="ctr"/>
+            <a:r>
+              <a:rPr lang="en-IN" dirty="0" smtClean="0"/>
+              <a:t>ItemCode1</a:t>
+            </a:r>
+            <a:endParaRPr lang="en-IN" dirty="0"/>
+          </a:p>
+        </p:txBody>
+      </p:sp>
+      <p:sp>
+        <p:nvSpPr>
+          <p:cNvPr id="7" name="Rectangle 6"/>
+          <p:cNvSpPr/>
+          <p:nvPr/>
+        </p:nvSpPr>
+        <p:spPr>
+          <a:xfrm>
+            <a:off x="3507970" y="2141913"/>
+            <a:ext cx="1795549" cy="515389"/>
+          </a:xfrm>
+          <a:prstGeom prst="rect">
+            <a:avLst/>
+          </a:prstGeom>
+        </p:spPr>
+        <p:style>
+          <a:lnRef idx="2">
+            <a:schemeClr val="accent1">
+              <a:shade val="50000"/>
+            </a:schemeClr>
+          </a:lnRef>
+          <a:fillRef idx="1">
+            <a:schemeClr val="accent1"/>
+          </a:fillRef>
+          <a:effectRef idx="0">
+            <a:schemeClr val="accent1"/>
+          </a:effectRef>
+          <a:fontRef idx="minor">
+            <a:schemeClr val="lt1"/>
+          </a:fontRef>
+        </p:style>
+        <p:txBody>
+          <a:bodyPr rtlCol="0" anchor="ctr"/>
+          <a:lstStyle/>
+          <a:p>
+            <a:pPr algn="ctr"/>
+            <a:r>
+              <a:rPr lang="en-IN" dirty="0" smtClean="0"/>
+              <a:t>ItemCode2</a:t>
+            </a:r>
+            <a:endParaRPr lang="en-IN" dirty="0"/>
+          </a:p>
+        </p:txBody>
+      </p:sp>
+      <p:sp>
+        <p:nvSpPr>
+          <p:cNvPr id="8" name="Rectangle 7"/>
+          <p:cNvSpPr/>
+          <p:nvPr/>
+        </p:nvSpPr>
+        <p:spPr>
+          <a:xfrm>
+            <a:off x="3507970" y="2870662"/>
+            <a:ext cx="1795549" cy="515389"/>
+          </a:xfrm>
+          <a:prstGeom prst="rect">
+            <a:avLst/>
+          </a:prstGeom>
+        </p:spPr>
+        <p:style>
+          <a:lnRef idx="2">
+            <a:schemeClr val="accent1">
+              <a:shade val="50000"/>
+            </a:schemeClr>
+          </a:lnRef>
+          <a:fillRef idx="1">
+            <a:schemeClr val="accent1"/>
+          </a:fillRef>
+          <a:effectRef idx="0">
+            <a:schemeClr val="accent1"/>
+          </a:effectRef>
+          <a:fontRef idx="minor">
+            <a:schemeClr val="lt1"/>
+          </a:fontRef>
+        </p:style>
+        <p:txBody>
+          <a:bodyPr rtlCol="0" anchor="ctr"/>
+          <a:lstStyle/>
+          <a:p>
+            <a:pPr algn="ctr"/>
+            <a:r>
+              <a:rPr lang="en-IN" dirty="0" smtClean="0"/>
+              <a:t>ItemCode3</a:t>
+            </a:r>
+            <a:endParaRPr lang="en-IN" dirty="0"/>
+          </a:p>
+        </p:txBody>
+      </p:sp>
+      <p:sp>
+        <p:nvSpPr>
+          <p:cNvPr id="9" name="Rectangle 8"/>
+          <p:cNvSpPr/>
+          <p:nvPr/>
+        </p:nvSpPr>
+        <p:spPr>
+          <a:xfrm>
+            <a:off x="7613074" y="2061555"/>
+            <a:ext cx="2319250" cy="515389"/>
+          </a:xfrm>
+          <a:prstGeom prst="rect">
+            <a:avLst/>
+          </a:prstGeom>
+        </p:spPr>
+        <p:style>
+          <a:lnRef idx="2">
+            <a:schemeClr val="accent1">
+              <a:shade val="50000"/>
+            </a:schemeClr>
+          </a:lnRef>
+          <a:fillRef idx="1">
+            <a:schemeClr val="accent1"/>
+          </a:fillRef>
+          <a:effectRef idx="0">
+            <a:schemeClr val="accent1"/>
+          </a:effectRef>
+          <a:fontRef idx="minor">
+            <a:schemeClr val="lt1"/>
+          </a:fontRef>
+        </p:style>
+        <p:txBody>
+          <a:bodyPr rtlCol="0" anchor="ctr"/>
+          <a:lstStyle/>
+          <a:p>
+            <a:pPr algn="ctr"/>
+            <a:r>
+              <a:rPr lang="en-IN" dirty="0" smtClean="0"/>
+              <a:t>ItemPrice2</a:t>
+            </a:r>
+            <a:endParaRPr lang="en-IN" dirty="0"/>
+          </a:p>
+        </p:txBody>
+      </p:sp>
+      <p:sp>
+        <p:nvSpPr>
+          <p:cNvPr id="10" name="Rectangle 9"/>
+          <p:cNvSpPr/>
+          <p:nvPr/>
+        </p:nvSpPr>
+        <p:spPr>
+          <a:xfrm>
+            <a:off x="7620001" y="2723803"/>
+            <a:ext cx="2319250" cy="515389"/>
+          </a:xfrm>
+          <a:prstGeom prst="rect">
+            <a:avLst/>
+          </a:prstGeom>
+        </p:spPr>
+        <p:style>
+          <a:lnRef idx="2">
+            <a:schemeClr val="accent1">
+              <a:shade val="50000"/>
+            </a:schemeClr>
+          </a:lnRef>
+          <a:fillRef idx="1">
+            <a:schemeClr val="accent1"/>
+          </a:fillRef>
+          <a:effectRef idx="0">
+            <a:schemeClr val="accent1"/>
+          </a:effectRef>
+          <a:fontRef idx="minor">
+            <a:schemeClr val="lt1"/>
+          </a:fontRef>
+        </p:style>
+        <p:txBody>
+          <a:bodyPr rtlCol="0" anchor="ctr"/>
+          <a:lstStyle/>
+          <a:p>
+            <a:pPr algn="ctr"/>
+            <a:r>
+              <a:rPr lang="en-IN" dirty="0" smtClean="0"/>
+              <a:t>ItemPrice3</a:t>
+            </a:r>
+            <a:endParaRPr lang="en-IN" dirty="0"/>
+          </a:p>
+        </p:txBody>
+      </p:sp>
+      <p:sp>
+        <p:nvSpPr>
+          <p:cNvPr id="11" name="Rectangle 10"/>
+          <p:cNvSpPr/>
+          <p:nvPr/>
+        </p:nvSpPr>
+        <p:spPr>
+          <a:xfrm>
+            <a:off x="7620001" y="3386051"/>
+            <a:ext cx="2319250" cy="515389"/>
+          </a:xfrm>
+          <a:prstGeom prst="rect">
+            <a:avLst/>
+          </a:prstGeom>
+        </p:spPr>
+        <p:style>
+          <a:lnRef idx="2">
+            <a:schemeClr val="accent1">
+              <a:shade val="50000"/>
+            </a:schemeClr>
+          </a:lnRef>
+          <a:fillRef idx="1">
+            <a:schemeClr val="accent1"/>
+          </a:fillRef>
+          <a:effectRef idx="0">
+            <a:schemeClr val="accent1"/>
+          </a:effectRef>
+          <a:fontRef idx="minor">
+            <a:schemeClr val="lt1"/>
+          </a:fontRef>
+        </p:style>
+        <p:txBody>
+          <a:bodyPr rtlCol="0" anchor="ctr"/>
+          <a:lstStyle/>
+          <a:p>
+            <a:pPr algn="ctr"/>
+            <a:r>
+              <a:rPr lang="en-IN" dirty="0" smtClean="0"/>
+              <a:t>ItemPrice4</a:t>
+            </a:r>
+            <a:endParaRPr lang="en-IN" dirty="0"/>
+          </a:p>
+        </p:txBody>
+      </p:sp>
+      <p:sp>
+        <p:nvSpPr>
+          <p:cNvPr id="12" name="Rectangle 11"/>
+          <p:cNvSpPr/>
+          <p:nvPr/>
+        </p:nvSpPr>
+        <p:spPr>
+          <a:xfrm>
+            <a:off x="7631084" y="4048299"/>
+            <a:ext cx="2319250" cy="515389"/>
+          </a:xfrm>
+          <a:prstGeom prst="rect">
+            <a:avLst/>
+          </a:prstGeom>
+        </p:spPr>
+        <p:style>
+          <a:lnRef idx="2">
+            <a:schemeClr val="accent1">
+              <a:shade val="50000"/>
+            </a:schemeClr>
+          </a:lnRef>
+          <a:fillRef idx="1">
+            <a:schemeClr val="accent1"/>
+          </a:fillRef>
+          <a:effectRef idx="0">
+            <a:schemeClr val="accent1"/>
+          </a:effectRef>
+          <a:fontRef idx="minor">
+            <a:schemeClr val="lt1"/>
+          </a:fontRef>
+        </p:style>
+        <p:txBody>
+          <a:bodyPr rtlCol="0" anchor="ctr"/>
+          <a:lstStyle/>
+          <a:p>
+            <a:pPr algn="ctr"/>
+            <a:r>
+              <a:rPr lang="en-IN" dirty="0" smtClean="0"/>
+              <a:t>ItemPrice5</a:t>
+            </a:r>
+            <a:endParaRPr lang="en-IN" dirty="0"/>
+          </a:p>
+        </p:txBody>
+      </p:sp>
+      <p:sp>
+        <p:nvSpPr>
+          <p:cNvPr id="13" name="Rectangle 12"/>
+          <p:cNvSpPr/>
+          <p:nvPr/>
+        </p:nvSpPr>
+        <p:spPr>
+          <a:xfrm>
+            <a:off x="7613074" y="1413164"/>
+            <a:ext cx="2319250" cy="515389"/>
+          </a:xfrm>
+          <a:prstGeom prst="rect">
+            <a:avLst/>
+          </a:prstGeom>
+        </p:spPr>
+        <p:style>
+          <a:lnRef idx="2">
+            <a:schemeClr val="accent1">
+              <a:shade val="50000"/>
+            </a:schemeClr>
+          </a:lnRef>
+          <a:fillRef idx="1">
+            <a:schemeClr val="accent1"/>
+          </a:fillRef>
+          <a:effectRef idx="0">
+            <a:schemeClr val="accent1"/>
+          </a:effectRef>
+          <a:fontRef idx="minor">
+            <a:schemeClr val="lt1"/>
+          </a:fontRef>
+        </p:style>
+        <p:txBody>
+          <a:bodyPr rtlCol="0" anchor="ctr"/>
+          <a:lstStyle/>
+          <a:p>
+            <a:pPr algn="ctr"/>
+            <a:r>
+              <a:rPr lang="en-IN" dirty="0" smtClean="0"/>
+              <a:t>ItemPrice1</a:t>
+            </a:r>
+            <a:endParaRPr lang="en-IN" dirty="0"/>
+          </a:p>
+        </p:txBody>
+      </p:sp>
+      <p:cxnSp>
+        <p:nvCxnSpPr>
+          <p:cNvPr id="15" name="Elbow Connector 14"/>
+          <p:cNvCxnSpPr>
+            <a:stCxn id="5" idx="3"/>
+            <a:endCxn id="6" idx="1"/>
+          </p:cNvCxnSpPr>
+          <p:nvPr/>
+        </p:nvCxnSpPr>
+        <p:spPr>
+          <a:xfrm>
+            <a:off x="2676698" y="1670859"/>
+            <a:ext cx="831273" cy="12700"/>
+          </a:xfrm>
+          <a:prstGeom prst="bentConnector3">
+            <a:avLst/>
+          </a:prstGeom>
+          <a:ln>
+            <a:tailEnd type="triangle"/>
+          </a:ln>
+        </p:spPr>
+        <p:style>
+          <a:lnRef idx="1">
+            <a:schemeClr val="accent1"/>
+          </a:lnRef>
+          <a:fillRef idx="0">
+            <a:schemeClr val="accent1"/>
+          </a:fillRef>
+          <a:effectRef idx="0">
+            <a:schemeClr val="accent1"/>
+          </a:effectRef>
+          <a:fontRef idx="minor">
+            <a:schemeClr val="tx1"/>
+          </a:fontRef>
+        </p:style>
+      </p:cxnSp>
+      <p:cxnSp>
+        <p:nvCxnSpPr>
+          <p:cNvPr id="17" name="Elbow Connector 16"/>
+          <p:cNvCxnSpPr>
+            <a:stCxn id="5" idx="3"/>
+            <a:endCxn id="7" idx="1"/>
+          </p:cNvCxnSpPr>
+          <p:nvPr/>
+        </p:nvCxnSpPr>
+        <p:spPr>
+          <a:xfrm>
+            <a:off x="2676698" y="1670859"/>
+            <a:ext cx="831272" cy="728749"/>
+          </a:xfrm>
+          <a:prstGeom prst="bentConnector3">
+            <a:avLst/>
+          </a:prstGeom>
+          <a:ln>
+            <a:tailEnd type="triangle"/>
+          </a:ln>
+        </p:spPr>
+        <p:style>
+          <a:lnRef idx="1">
+            <a:schemeClr val="accent1"/>
+          </a:lnRef>
+          <a:fillRef idx="0">
+            <a:schemeClr val="accent1"/>
+          </a:fillRef>
+          <a:effectRef idx="0">
+            <a:schemeClr val="accent1"/>
+          </a:effectRef>
+          <a:fontRef idx="minor">
+            <a:schemeClr val="tx1"/>
+          </a:fontRef>
+        </p:style>
+      </p:cxnSp>
+      <p:cxnSp>
+        <p:nvCxnSpPr>
+          <p:cNvPr id="19" name="Elbow Connector 18"/>
+          <p:cNvCxnSpPr>
+            <a:stCxn id="5" idx="3"/>
+            <a:endCxn id="8" idx="1"/>
+          </p:cNvCxnSpPr>
+          <p:nvPr/>
+        </p:nvCxnSpPr>
+        <p:spPr>
+          <a:xfrm>
+            <a:off x="2676698" y="1670859"/>
+            <a:ext cx="831272" cy="1457498"/>
+          </a:xfrm>
+          <a:prstGeom prst="bentConnector3">
+            <a:avLst/>
+          </a:prstGeom>
+          <a:ln>
+            <a:tailEnd type="triangle"/>
+          </a:ln>
+        </p:spPr>
+        <p:style>
+          <a:lnRef idx="1">
+            <a:schemeClr val="accent1"/>
+          </a:lnRef>
+          <a:fillRef idx="0">
+            <a:schemeClr val="accent1"/>
+          </a:fillRef>
+          <a:effectRef idx="0">
+            <a:schemeClr val="accent1"/>
+          </a:effectRef>
+          <a:fontRef idx="minor">
+            <a:schemeClr val="tx1"/>
+          </a:fontRef>
+        </p:style>
+      </p:cxnSp>
+      <p:cxnSp>
+        <p:nvCxnSpPr>
+          <p:cNvPr id="21" name="Elbow Connector 20"/>
+          <p:cNvCxnSpPr>
+            <a:endCxn id="13" idx="1"/>
+          </p:cNvCxnSpPr>
+          <p:nvPr/>
+        </p:nvCxnSpPr>
+        <p:spPr>
+          <a:xfrm>
+            <a:off x="5303519" y="1670858"/>
+            <a:ext cx="2309555" cy="1"/>
+          </a:xfrm>
+          <a:prstGeom prst="bentConnector3">
+            <a:avLst/>
+          </a:prstGeom>
+          <a:ln>
+            <a:tailEnd type="triangle"/>
+          </a:ln>
+        </p:spPr>
+        <p:style>
+          <a:lnRef idx="1">
+            <a:schemeClr val="accent1"/>
+          </a:lnRef>
+          <a:fillRef idx="0">
+            <a:schemeClr val="accent1"/>
+          </a:fillRef>
+          <a:effectRef idx="0">
+            <a:schemeClr val="accent1"/>
+          </a:effectRef>
+          <a:fontRef idx="minor">
+            <a:schemeClr val="tx1"/>
+          </a:fontRef>
+        </p:style>
+      </p:cxnSp>
+      <p:cxnSp>
+        <p:nvCxnSpPr>
+          <p:cNvPr id="23" name="Elbow Connector 22"/>
+          <p:cNvCxnSpPr>
+            <a:stCxn id="6" idx="3"/>
+            <a:endCxn id="9" idx="1"/>
+          </p:cNvCxnSpPr>
+          <p:nvPr/>
+        </p:nvCxnSpPr>
+        <p:spPr>
+          <a:xfrm>
+            <a:off x="5303520" y="1670859"/>
+            <a:ext cx="2309554" cy="648391"/>
+          </a:xfrm>
+          <a:prstGeom prst="bentConnector3">
+            <a:avLst>
+              <a:gd name="adj1" fmla="val 57559"/>
+            </a:avLst>
+          </a:prstGeom>
+          <a:ln>
+            <a:tailEnd type="triangle"/>
+          </a:ln>
+        </p:spPr>
+        <p:style>
+          <a:lnRef idx="1">
+            <a:schemeClr val="accent1"/>
+          </a:lnRef>
+          <a:fillRef idx="0">
+            <a:schemeClr val="accent1"/>
+          </a:fillRef>
+          <a:effectRef idx="0">
+            <a:schemeClr val="accent1"/>
+          </a:effectRef>
+          <a:fontRef idx="minor">
+            <a:schemeClr val="tx1"/>
+          </a:fontRef>
+        </p:style>
+      </p:cxnSp>
+      <p:cxnSp>
+        <p:nvCxnSpPr>
+          <p:cNvPr id="25" name="Elbow Connector 24"/>
+          <p:cNvCxnSpPr>
+            <a:stCxn id="6" idx="3"/>
+            <a:endCxn id="10" idx="1"/>
+          </p:cNvCxnSpPr>
+          <p:nvPr/>
+        </p:nvCxnSpPr>
+        <p:spPr>
+          <a:xfrm>
+            <a:off x="5303520" y="1670859"/>
+            <a:ext cx="2316481" cy="1310639"/>
+          </a:xfrm>
+          <a:prstGeom prst="bentConnector3">
+            <a:avLst>
+              <a:gd name="adj1" fmla="val 39593"/>
+            </a:avLst>
+          </a:prstGeom>
+          <a:ln>
+            <a:tailEnd type="triangle"/>
+          </a:ln>
+        </p:spPr>
+        <p:style>
+          <a:lnRef idx="1">
+            <a:schemeClr val="accent1"/>
+          </a:lnRef>
+          <a:fillRef idx="0">
+            <a:schemeClr val="accent1"/>
+          </a:fillRef>
+          <a:effectRef idx="0">
+            <a:schemeClr val="accent1"/>
+          </a:effectRef>
+          <a:fontRef idx="minor">
+            <a:schemeClr val="tx1"/>
+          </a:fontRef>
+        </p:style>
+      </p:cxnSp>
+      <p:cxnSp>
+        <p:nvCxnSpPr>
+          <p:cNvPr id="27" name="Elbow Connector 26"/>
+          <p:cNvCxnSpPr>
+            <a:stCxn id="7" idx="3"/>
+            <a:endCxn id="11" idx="1"/>
+          </p:cNvCxnSpPr>
+          <p:nvPr/>
+        </p:nvCxnSpPr>
+        <p:spPr>
+          <a:xfrm>
+            <a:off x="5303519" y="2399608"/>
+            <a:ext cx="2316482" cy="1244138"/>
+          </a:xfrm>
+          <a:prstGeom prst="bentConnector3">
+            <a:avLst>
+              <a:gd name="adj1" fmla="val 30622"/>
+            </a:avLst>
+          </a:prstGeom>
+          <a:ln>
+            <a:tailEnd type="triangle"/>
+          </a:ln>
+        </p:spPr>
+        <p:style>
+          <a:lnRef idx="1">
+            <a:schemeClr val="accent1"/>
+          </a:lnRef>
+          <a:fillRef idx="0">
+            <a:schemeClr val="accent1"/>
+          </a:fillRef>
+          <a:effectRef idx="0">
+            <a:schemeClr val="accent1"/>
+          </a:effectRef>
+          <a:fontRef idx="minor">
+            <a:schemeClr val="tx1"/>
+          </a:fontRef>
+        </p:style>
+      </p:cxnSp>
+      <p:cxnSp>
+        <p:nvCxnSpPr>
+          <p:cNvPr id="30" name="Elbow Connector 29"/>
+          <p:cNvCxnSpPr>
+            <a:stCxn id="7" idx="3"/>
+            <a:endCxn id="12" idx="1"/>
+          </p:cNvCxnSpPr>
+          <p:nvPr/>
+        </p:nvCxnSpPr>
+        <p:spPr>
+          <a:xfrm>
+            <a:off x="5303519" y="2399608"/>
+            <a:ext cx="2327565" cy="1906386"/>
+          </a:xfrm>
+          <a:prstGeom prst="bentConnector3">
+            <a:avLst>
+              <a:gd name="adj1" fmla="val 21071"/>
+            </a:avLst>
+          </a:prstGeom>
+          <a:ln>
+            <a:tailEnd type="triangle"/>
+          </a:ln>
+        </p:spPr>
+        <p:style>
+          <a:lnRef idx="1">
+            <a:schemeClr val="accent1"/>
+          </a:lnRef>
+          <a:fillRef idx="0">
+            <a:schemeClr val="accent1"/>
+          </a:fillRef>
+          <a:effectRef idx="0">
+            <a:schemeClr val="accent1"/>
+          </a:effectRef>
+          <a:fontRef idx="minor">
+            <a:schemeClr val="tx1"/>
+          </a:fontRef>
+        </p:style>
+      </p:cxnSp>
+    </p:spTree>
+    <p:extLst>
+      <p:ext uri="{BB962C8B-B14F-4D97-AF65-F5344CB8AC3E}">
+        <p14:creationId xmlns:p14="http://schemas.microsoft.com/office/powerpoint/2010/main" val="4194652854"/>
+      </p:ext>
+    </p:extLst>
+  </p:cSld>
+  <p:clrMapOvr>
+    <a:masterClrMapping/>
+  </p:clrMapOvr>
+</p:sld>
+</file>
+
+<file path=ppt/slides/slide2.xml><?xml version="1.0" encoding="utf-8"?>
+<p:sld xmlns:a="http://schemas.openxmlformats.org/drawingml/2006/main" xmlns:r="http://schemas.openxmlformats.org/officeDocument/2006/relationships" xmlns:p="http://schemas.openxmlformats.org/presentationml/2006/main">
+  <p:cSld>
+    <p:spTree>
+      <p:nvGrpSpPr>
+        <p:cNvPr id="1" name=""/>
+        <p:cNvGrpSpPr/>
+        <p:nvPr/>
+      </p:nvGrpSpPr>
+      <p:grpSpPr>
+        <a:xfrm>
+          <a:off x="0" y="0"/>
+          <a:ext cx="0" cy="0"/>
+          <a:chOff x="0" y="0"/>
+          <a:chExt cx="0" cy="0"/>
+        </a:xfrm>
+      </p:grpSpPr>
+      <p:sp>
+        <p:nvSpPr>
+          <p:cNvPr id="4" name="Rectangle 3"/>
+          <p:cNvSpPr/>
+          <p:nvPr/>
+        </p:nvSpPr>
+        <p:spPr>
+          <a:xfrm>
+            <a:off x="3148738" y="930088"/>
+            <a:ext cx="1853738" cy="540327"/>
+          </a:xfrm>
+          <a:prstGeom prst="rect">
+            <a:avLst/>
+          </a:prstGeom>
+        </p:spPr>
+        <p:style>
+          <a:lnRef idx="2">
+            <a:schemeClr val="accent1">
+              <a:shade val="50000"/>
+            </a:schemeClr>
+          </a:lnRef>
+          <a:fillRef idx="1">
+            <a:schemeClr val="accent1"/>
+          </a:fillRef>
+          <a:effectRef idx="0">
+            <a:schemeClr val="accent1"/>
+          </a:effectRef>
+          <a:fontRef idx="minor">
+            <a:schemeClr val="lt1"/>
+          </a:fontRef>
+        </p:style>
+        <p:txBody>
+          <a:bodyPr rtlCol="0" anchor="ctr"/>
+          <a:lstStyle/>
+          <a:p>
+            <a:pPr algn="ctr"/>
+            <a:r>
+              <a:rPr lang="en-IN" dirty="0" smtClean="0"/>
               <a:t>Item Code Scan</a:t>
             </a:r>
             <a:endParaRPr lang="en-IN" dirty="0"/>
@@ -3016,7 +3787,7 @@
         </p:nvSpPr>
         <p:spPr>
           <a:xfrm>
-            <a:off x="1635824" y="1615886"/>
+            <a:off x="3597626" y="1940084"/>
             <a:ext cx="955963" cy="798022"/>
           </a:xfrm>
           <a:prstGeom prst="diamond">
@@ -3059,7 +3830,7 @@
         </p:nvCxnSpPr>
         <p:spPr>
           <a:xfrm>
-            <a:off x="2113805" y="1146217"/>
+            <a:off x="4075607" y="1470415"/>
             <a:ext cx="1" cy="469669"/>
           </a:xfrm>
           <a:prstGeom prst="straightConnector1">
@@ -3095,7 +3866,7 @@
         </p:nvCxnSpPr>
         <p:spPr>
           <a:xfrm>
-            <a:off x="2591787" y="2014897"/>
+            <a:off x="4553589" y="2339095"/>
             <a:ext cx="2603667" cy="33251"/>
           </a:xfrm>
           <a:prstGeom prst="straightConnector1">
@@ -3128,7 +3899,7 @@
         </p:nvSpPr>
         <p:spPr>
           <a:xfrm>
-            <a:off x="3092335" y="1720735"/>
+            <a:off x="5054137" y="2044933"/>
             <a:ext cx="1236236" cy="369332"/>
           </a:xfrm>
           <a:prstGeom prst="rect">
@@ -3160,7 +3931,7 @@
         </p:nvCxnSpPr>
         <p:spPr>
           <a:xfrm flipH="1">
-            <a:off x="2113805" y="2413908"/>
+            <a:off x="4075607" y="2738106"/>
             <a:ext cx="1" cy="1346662"/>
           </a:xfrm>
           <a:prstGeom prst="straightConnector1">
@@ -3193,7 +3964,7 @@
         </p:nvSpPr>
         <p:spPr>
           <a:xfrm>
-            <a:off x="449169" y="2899356"/>
+            <a:off x="2410971" y="3223554"/>
             <a:ext cx="1470274" cy="369332"/>
           </a:xfrm>
           <a:prstGeom prst="rect">
@@ -3223,7 +3994,7 @@
         </p:nvSpPr>
         <p:spPr>
           <a:xfrm>
-            <a:off x="5195454" y="1777984"/>
+            <a:off x="7157256" y="2102182"/>
             <a:ext cx="3948546" cy="540327"/>
           </a:xfrm>
           <a:prstGeom prst="rect">
@@ -3267,7 +4038,7 @@
         </p:nvSpPr>
         <p:spPr>
           <a:xfrm>
-            <a:off x="139533" y="3762987"/>
+            <a:off x="2101335" y="4087185"/>
             <a:ext cx="3948546" cy="540327"/>
           </a:xfrm>
           <a:prstGeom prst="rect">
@@ -3311,7 +4082,7 @@
         </p:nvSpPr>
         <p:spPr>
           <a:xfrm>
-            <a:off x="141728" y="5320239"/>
+            <a:off x="2103530" y="5644437"/>
             <a:ext cx="3948546" cy="540327"/>
           </a:xfrm>
           <a:prstGeom prst="rect">
@@ -3358,7 +4129,7 @@
         </p:nvCxnSpPr>
         <p:spPr>
           <a:xfrm>
-            <a:off x="2113806" y="4303314"/>
+            <a:off x="4075608" y="4627512"/>
             <a:ext cx="2195" cy="1016925"/>
           </a:xfrm>
           <a:prstGeom prst="straightConnector1">
@@ -3391,7 +4162,7 @@
         </p:nvSpPr>
         <p:spPr>
           <a:xfrm>
-            <a:off x="2038415" y="4595246"/>
+            <a:off x="4000217" y="4919444"/>
             <a:ext cx="2049664" cy="369332"/>
           </a:xfrm>
           <a:prstGeom prst="rect">
@@ -3421,7 +4192,7 @@
         </p:nvSpPr>
         <p:spPr>
           <a:xfrm>
-            <a:off x="7032566" y="3492824"/>
+            <a:off x="8204660" y="4084768"/>
             <a:ext cx="1853738" cy="540327"/>
           </a:xfrm>
           <a:prstGeom prst="rect">
@@ -3457,6 +4228,169 @@
           </a:p>
         </p:txBody>
       </p:sp>
+      <p:sp>
+        <p:nvSpPr>
+          <p:cNvPr id="2" name="Diamond 1"/>
+          <p:cNvSpPr/>
+          <p:nvPr/>
+        </p:nvSpPr>
+        <p:spPr>
+          <a:xfrm>
+            <a:off x="7946967" y="4354931"/>
+            <a:ext cx="174568" cy="175505"/>
+          </a:xfrm>
+          <a:prstGeom prst="diamond">
+            <a:avLst/>
+          </a:prstGeom>
+        </p:spPr>
+        <p:style>
+          <a:lnRef idx="2">
+            <a:schemeClr val="accent1">
+              <a:shade val="50000"/>
+            </a:schemeClr>
+          </a:lnRef>
+          <a:fillRef idx="1">
+            <a:schemeClr val="accent1"/>
+          </a:fillRef>
+          <a:effectRef idx="0">
+            <a:schemeClr val="accent1"/>
+          </a:effectRef>
+          <a:fontRef idx="minor">
+            <a:schemeClr val="lt1"/>
+          </a:fontRef>
+        </p:style>
+        <p:txBody>
+          <a:bodyPr rtlCol="0" anchor="ctr"/>
+          <a:lstStyle/>
+          <a:p>
+            <a:pPr algn="ctr"/>
+            <a:endParaRPr lang="en-IN"/>
+          </a:p>
+        </p:txBody>
+      </p:sp>
+      <p:sp>
+        <p:nvSpPr>
+          <p:cNvPr id="3" name="Rectangle 2"/>
+          <p:cNvSpPr/>
+          <p:nvPr/>
+        </p:nvSpPr>
+        <p:spPr>
+          <a:xfrm>
+            <a:off x="3881245" y="191193"/>
+            <a:ext cx="4564486" cy="598516"/>
+          </a:xfrm>
+          <a:prstGeom prst="rect">
+            <a:avLst/>
+          </a:prstGeom>
+        </p:spPr>
+        <p:style>
+          <a:lnRef idx="2">
+            <a:schemeClr val="accent1">
+              <a:shade val="50000"/>
+            </a:schemeClr>
+          </a:lnRef>
+          <a:fillRef idx="1">
+            <a:schemeClr val="accent1"/>
+          </a:fillRef>
+          <a:effectRef idx="0">
+            <a:schemeClr val="accent1"/>
+          </a:effectRef>
+          <a:fontRef idx="minor">
+            <a:schemeClr val="lt1"/>
+          </a:fontRef>
+        </p:style>
+        <p:txBody>
+          <a:bodyPr rtlCol="0" anchor="ctr"/>
+          <a:lstStyle/>
+          <a:p>
+            <a:pPr algn="ctr"/>
+            <a:r>
+              <a:rPr lang="en-IN" dirty="0" smtClean="0"/>
+              <a:t>Stock Counting Module</a:t>
+            </a:r>
+            <a:endParaRPr lang="en-IN" dirty="0"/>
+          </a:p>
+        </p:txBody>
+      </p:sp>
+      <p:sp>
+        <p:nvSpPr>
+          <p:cNvPr id="8" name="Rectangle 7"/>
+          <p:cNvSpPr/>
+          <p:nvPr/>
+        </p:nvSpPr>
+        <p:spPr>
+          <a:xfrm>
+            <a:off x="182880" y="880679"/>
+            <a:ext cx="2161589" cy="639143"/>
+          </a:xfrm>
+          <a:prstGeom prst="rect">
+            <a:avLst/>
+          </a:prstGeom>
+        </p:spPr>
+        <p:style>
+          <a:lnRef idx="2">
+            <a:schemeClr val="accent1">
+              <a:shade val="50000"/>
+            </a:schemeClr>
+          </a:lnRef>
+          <a:fillRef idx="1">
+            <a:schemeClr val="accent1"/>
+          </a:fillRef>
+          <a:effectRef idx="0">
+            <a:schemeClr val="accent1"/>
+          </a:effectRef>
+          <a:fontRef idx="minor">
+            <a:schemeClr val="lt1"/>
+          </a:fontRef>
+        </p:style>
+        <p:txBody>
+          <a:bodyPr rtlCol="0" anchor="ctr"/>
+          <a:lstStyle/>
+          <a:p>
+            <a:pPr algn="ctr"/>
+            <a:r>
+              <a:rPr lang="en-IN" dirty="0" smtClean="0"/>
+              <a:t>Branch Selection</a:t>
+            </a:r>
+            <a:endParaRPr lang="en-IN" dirty="0"/>
+          </a:p>
+        </p:txBody>
+      </p:sp>
+      <p:cxnSp>
+        <p:nvCxnSpPr>
+          <p:cNvPr id="12" name="Straight Arrow Connector 11"/>
+          <p:cNvCxnSpPr>
+            <a:endCxn id="4" idx="1"/>
+          </p:cNvCxnSpPr>
+          <p:nvPr/>
+        </p:nvCxnSpPr>
+        <p:spPr>
+          <a:xfrm>
+            <a:off x="2410971" y="1200250"/>
+            <a:ext cx="737767" cy="2"/>
+          </a:xfrm>
+          <a:prstGeom prst="straightConnector1">
+            <a:avLst/>
+          </a:prstGeom>
+          <a:ln>
+            <a:tailEnd type="triangle"/>
+          </a:ln>
+        </p:spPr>
+        <p:style>
+          <a:lnRef idx="1">
+            <a:schemeClr val="accent1"/>
+          </a:lnRef>
+          <a:fillRef idx="0">
+            <a:schemeClr val="accent1"/>
+          </a:fillRef>
+          <a:effectRef idx="0">
+            <a:schemeClr val="accent1"/>
+          </a:effectRef>
+          <a:fontRef idx="minor">
+            <a:schemeClr val="tx1"/>
+          </a:fontRef>
+        </p:style>
+      </p:cxnSp>
     </p:spTree>
     <p:extLst>
       <p:ext uri="{BB962C8B-B14F-4D97-AF65-F5344CB8AC3E}">
